--- a/7. joins and binds/Lesson 7 - Joins.pptx
+++ b/7. joins and binds/Lesson 7 - Joins.pptx
@@ -5,16 +5,17 @@
     <p:sldMasterId id="2147483648" r:id="rId1"/>
   </p:sldMasterIdLst>
   <p:notesMasterIdLst>
-    <p:notesMasterId r:id="rId9"/>
+    <p:notesMasterId r:id="rId10"/>
   </p:notesMasterIdLst>
   <p:sldIdLst>
     <p:sldId id="256" r:id="rId2"/>
-    <p:sldId id="257" r:id="rId3"/>
-    <p:sldId id="258" r:id="rId4"/>
-    <p:sldId id="259" r:id="rId5"/>
-    <p:sldId id="260" r:id="rId6"/>
-    <p:sldId id="261" r:id="rId7"/>
-    <p:sldId id="262" r:id="rId8"/>
+    <p:sldId id="263" r:id="rId3"/>
+    <p:sldId id="257" r:id="rId4"/>
+    <p:sldId id="258" r:id="rId5"/>
+    <p:sldId id="259" r:id="rId6"/>
+    <p:sldId id="260" r:id="rId7"/>
+    <p:sldId id="261" r:id="rId8"/>
+    <p:sldId id="262" r:id="rId9"/>
   </p:sldIdLst>
   <p:sldSz cx="12192000" cy="6858000"/>
   <p:notesSz cx="6858000" cy="9144000"/>
@@ -203,7 +204,7 @@
           <a:p>
             <a:fld id="{FA399BC5-55B2-4396-B8E1-2A874CFF6FD0}" type="datetimeFigureOut">
               <a:rPr lang="en-US" smtClean="0"/>
-              <a:t>7/30/2020</a:t>
+              <a:t>8/19/2020</a:t>
             </a:fld>
             <a:endParaRPr lang="en-US"/>
           </a:p>
@@ -617,7 +618,7 @@
           <a:p>
             <a:fld id="{3C4A8C66-638B-4250-BDC4-40973D4DE39D}" type="datetimeFigureOut">
               <a:rPr lang="en-US" smtClean="0"/>
-              <a:t>7/30/2020</a:t>
+              <a:t>8/19/2020</a:t>
             </a:fld>
             <a:endParaRPr lang="en-US"/>
           </a:p>
@@ -815,7 +816,7 @@
           <a:p>
             <a:fld id="{3C4A8C66-638B-4250-BDC4-40973D4DE39D}" type="datetimeFigureOut">
               <a:rPr lang="en-US" smtClean="0"/>
-              <a:t>7/30/2020</a:t>
+              <a:t>8/19/2020</a:t>
             </a:fld>
             <a:endParaRPr lang="en-US"/>
           </a:p>
@@ -1023,7 +1024,7 @@
           <a:p>
             <a:fld id="{3C4A8C66-638B-4250-BDC4-40973D4DE39D}" type="datetimeFigureOut">
               <a:rPr lang="en-US" smtClean="0"/>
-              <a:t>7/30/2020</a:t>
+              <a:t>8/19/2020</a:t>
             </a:fld>
             <a:endParaRPr lang="en-US"/>
           </a:p>
@@ -1221,7 +1222,7 @@
           <a:p>
             <a:fld id="{3C4A8C66-638B-4250-BDC4-40973D4DE39D}" type="datetimeFigureOut">
               <a:rPr lang="en-US" smtClean="0"/>
-              <a:t>7/30/2020</a:t>
+              <a:t>8/19/2020</a:t>
             </a:fld>
             <a:endParaRPr lang="en-US"/>
           </a:p>
@@ -1496,7 +1497,7 @@
           <a:p>
             <a:fld id="{3C4A8C66-638B-4250-BDC4-40973D4DE39D}" type="datetimeFigureOut">
               <a:rPr lang="en-US" smtClean="0"/>
-              <a:t>7/30/2020</a:t>
+              <a:t>8/19/2020</a:t>
             </a:fld>
             <a:endParaRPr lang="en-US"/>
           </a:p>
@@ -1761,7 +1762,7 @@
           <a:p>
             <a:fld id="{3C4A8C66-638B-4250-BDC4-40973D4DE39D}" type="datetimeFigureOut">
               <a:rPr lang="en-US" smtClean="0"/>
-              <a:t>7/30/2020</a:t>
+              <a:t>8/19/2020</a:t>
             </a:fld>
             <a:endParaRPr lang="en-US"/>
           </a:p>
@@ -2173,7 +2174,7 @@
           <a:p>
             <a:fld id="{3C4A8C66-638B-4250-BDC4-40973D4DE39D}" type="datetimeFigureOut">
               <a:rPr lang="en-US" smtClean="0"/>
-              <a:t>7/30/2020</a:t>
+              <a:t>8/19/2020</a:t>
             </a:fld>
             <a:endParaRPr lang="en-US"/>
           </a:p>
@@ -2314,7 +2315,7 @@
           <a:p>
             <a:fld id="{3C4A8C66-638B-4250-BDC4-40973D4DE39D}" type="datetimeFigureOut">
               <a:rPr lang="en-US" smtClean="0"/>
-              <a:t>7/30/2020</a:t>
+              <a:t>8/19/2020</a:t>
             </a:fld>
             <a:endParaRPr lang="en-US"/>
           </a:p>
@@ -2427,7 +2428,7 @@
           <a:p>
             <a:fld id="{3C4A8C66-638B-4250-BDC4-40973D4DE39D}" type="datetimeFigureOut">
               <a:rPr lang="en-US" smtClean="0"/>
-              <a:t>7/30/2020</a:t>
+              <a:t>8/19/2020</a:t>
             </a:fld>
             <a:endParaRPr lang="en-US"/>
           </a:p>
@@ -2738,7 +2739,7 @@
           <a:p>
             <a:fld id="{3C4A8C66-638B-4250-BDC4-40973D4DE39D}" type="datetimeFigureOut">
               <a:rPr lang="en-US" smtClean="0"/>
-              <a:t>7/30/2020</a:t>
+              <a:t>8/19/2020</a:t>
             </a:fld>
             <a:endParaRPr lang="en-US"/>
           </a:p>
@@ -3026,7 +3027,7 @@
           <a:p>
             <a:fld id="{3C4A8C66-638B-4250-BDC4-40973D4DE39D}" type="datetimeFigureOut">
               <a:rPr lang="en-US" smtClean="0"/>
-              <a:t>7/30/2020</a:t>
+              <a:t>8/19/2020</a:t>
             </a:fld>
             <a:endParaRPr lang="en-US"/>
           </a:p>
@@ -3267,7 +3268,7 @@
           <a:p>
             <a:fld id="{3C4A8C66-638B-4250-BDC4-40973D4DE39D}" type="datetimeFigureOut">
               <a:rPr lang="en-US" smtClean="0"/>
-              <a:t>7/30/2020</a:t>
+              <a:t>8/19/2020</a:t>
             </a:fld>
             <a:endParaRPr lang="en-US"/>
           </a:p>
@@ -4130,6 +4131,98 @@
           <p:cNvPr id="2" name="Title 1">
             <a:extLst>
               <a:ext uri="{FF2B5EF4-FFF2-40B4-BE49-F238E27FC236}">
+                <a16:creationId xmlns:a16="http://schemas.microsoft.com/office/drawing/2014/main" id="{1549039F-AD80-42C6-B3C2-D1CBBA0679B5}"/>
+              </a:ext>
+            </a:extLst>
+          </p:cNvPr>
+          <p:cNvSpPr>
+            <a:spLocks noGrp="1"/>
+          </p:cNvSpPr>
+          <p:nvPr>
+            <p:ph type="title"/>
+          </p:nvPr>
+        </p:nvSpPr>
+        <p:spPr/>
+        <p:txBody>
+          <a:bodyPr/>
+          <a:lstStyle/>
+          <a:p>
+            <a:endParaRPr lang="en-GB"/>
+          </a:p>
+        </p:txBody>
+      </p:sp>
+      <p:sp>
+        <p:nvSpPr>
+          <p:cNvPr id="3" name="Content Placeholder 2">
+            <a:extLst>
+              <a:ext uri="{FF2B5EF4-FFF2-40B4-BE49-F238E27FC236}">
+                <a16:creationId xmlns:a16="http://schemas.microsoft.com/office/drawing/2014/main" id="{14F89AAC-DF94-4871-B6D3-746417D1A4EB}"/>
+              </a:ext>
+            </a:extLst>
+          </p:cNvPr>
+          <p:cNvSpPr>
+            <a:spLocks noGrp="1"/>
+          </p:cNvSpPr>
+          <p:nvPr>
+            <p:ph idx="1"/>
+          </p:nvPr>
+        </p:nvSpPr>
+        <p:spPr/>
+        <p:txBody>
+          <a:bodyPr/>
+          <a:lstStyle/>
+          <a:p>
+            <a:r>
+              <a:rPr lang="en-US" dirty="0">
+                <a:highlight>
+                  <a:srgbClr val="FFFF00"/>
+                </a:highlight>
+              </a:rPr>
+              <a:t>Add separate and unite for column level things</a:t>
+            </a:r>
+            <a:endParaRPr lang="en-GB" dirty="0">
+              <a:highlight>
+                <a:srgbClr val="FFFF00"/>
+              </a:highlight>
+            </a:endParaRPr>
+          </a:p>
+        </p:txBody>
+      </p:sp>
+    </p:spTree>
+    <p:extLst>
+      <p:ext uri="{BB962C8B-B14F-4D97-AF65-F5344CB8AC3E}">
+        <p14:creationId xmlns:p14="http://schemas.microsoft.com/office/powerpoint/2010/main" val="394384765"/>
+      </p:ext>
+    </p:extLst>
+  </p:cSld>
+  <p:clrMapOvr>
+    <a:masterClrMapping/>
+  </p:clrMapOvr>
+</p:sld>
+</file>
+
+<file path=ppt/slides/slide3.xml><?xml version="1.0" encoding="utf-8"?>
+<p:sld xmlns:a="http://schemas.openxmlformats.org/drawingml/2006/main" xmlns:r="http://schemas.openxmlformats.org/officeDocument/2006/relationships" xmlns:p="http://schemas.openxmlformats.org/presentationml/2006/main">
+  <p:cSld>
+    <p:spTree>
+      <p:nvGrpSpPr>
+        <p:cNvPr id="1" name=""/>
+        <p:cNvGrpSpPr/>
+        <p:nvPr/>
+      </p:nvGrpSpPr>
+      <p:grpSpPr>
+        <a:xfrm>
+          <a:off x="0" y="0"/>
+          <a:ext cx="0" cy="0"/>
+          <a:chOff x="0" y="0"/>
+          <a:chExt cx="0" cy="0"/>
+        </a:xfrm>
+      </p:grpSpPr>
+      <p:sp>
+        <p:nvSpPr>
+          <p:cNvPr id="2" name="Title 1">
+            <a:extLst>
+              <a:ext uri="{FF2B5EF4-FFF2-40B4-BE49-F238E27FC236}">
                 <a16:creationId xmlns:a16="http://schemas.microsoft.com/office/drawing/2014/main" id="{68425CD2-1761-4382-BFB3-A10D78A6B0C3}"/>
               </a:ext>
             </a:extLst>
@@ -4247,7 +4340,7 @@
 </p:sld>
 </file>
 
-<file path=ppt/slides/slide3.xml><?xml version="1.0" encoding="utf-8"?>
+<file path=ppt/slides/slide4.xml><?xml version="1.0" encoding="utf-8"?>
 <p:sld xmlns:a="http://schemas.openxmlformats.org/drawingml/2006/main" xmlns:r="http://schemas.openxmlformats.org/officeDocument/2006/relationships" xmlns:p="http://schemas.openxmlformats.org/presentationml/2006/main">
   <p:cSld>
     <p:spTree>
@@ -4741,7 +4834,7 @@
 </p:sld>
 </file>
 
-<file path=ppt/slides/slide4.xml><?xml version="1.0" encoding="utf-8"?>
+<file path=ppt/slides/slide5.xml><?xml version="1.0" encoding="utf-8"?>
 <p:sld xmlns:a="http://schemas.openxmlformats.org/drawingml/2006/main" xmlns:r="http://schemas.openxmlformats.org/officeDocument/2006/relationships" xmlns:p="http://schemas.openxmlformats.org/presentationml/2006/main">
   <p:cSld>
     <p:spTree>
@@ -5006,7 +5099,7 @@
 </p:sld>
 </file>
 
-<file path=ppt/slides/slide5.xml><?xml version="1.0" encoding="utf-8"?>
+<file path=ppt/slides/slide6.xml><?xml version="1.0" encoding="utf-8"?>
 <p:sld xmlns:a="http://schemas.openxmlformats.org/drawingml/2006/main" xmlns:r="http://schemas.openxmlformats.org/officeDocument/2006/relationships" xmlns:p="http://schemas.openxmlformats.org/presentationml/2006/main">
   <p:cSld>
     <p:spTree>
@@ -5165,7 +5258,7 @@
 </p:sld>
 </file>
 
-<file path=ppt/slides/slide6.xml><?xml version="1.0" encoding="utf-8"?>
+<file path=ppt/slides/slide7.xml><?xml version="1.0" encoding="utf-8"?>
 <p:sld xmlns:a="http://schemas.openxmlformats.org/drawingml/2006/main" xmlns:r="http://schemas.openxmlformats.org/officeDocument/2006/relationships" xmlns:p="http://schemas.openxmlformats.org/presentationml/2006/main">
   <p:cSld>
     <p:spTree>
@@ -5428,7 +5521,7 @@
 </p:sld>
 </file>
 
-<file path=ppt/slides/slide7.xml><?xml version="1.0" encoding="utf-8"?>
+<file path=ppt/slides/slide8.xml><?xml version="1.0" encoding="utf-8"?>
 <p:sld xmlns:a="http://schemas.openxmlformats.org/drawingml/2006/main" xmlns:r="http://schemas.openxmlformats.org/officeDocument/2006/relationships" xmlns:p="http://schemas.openxmlformats.org/presentationml/2006/main">
   <p:cSld>
     <p:spTree>
